--- a/payments/direct-standard-mode-illustration.pptx
+++ b/payments/direct-standard-mode-illustration.pptx
@@ -288,7 +288,7 @@
           <a:p>
             <a:fld id="{FE398CD6-77FF-42E1-B299-E17665EBA674}" type="datetimeFigureOut">
               <a:rPr lang="en-US" smtClean="0"/>
-              <a:t>2020-06-04</a:t>
+              <a:t>2020-06-17</a:t>
             </a:fld>
             <a:endParaRPr lang="en-US"/>
           </a:p>
@@ -458,7 +458,7 @@
           <a:p>
             <a:fld id="{FE398CD6-77FF-42E1-B299-E17665EBA674}" type="datetimeFigureOut">
               <a:rPr lang="en-US" smtClean="0"/>
-              <a:t>2020-06-04</a:t>
+              <a:t>2020-06-17</a:t>
             </a:fld>
             <a:endParaRPr lang="en-US"/>
           </a:p>
@@ -638,7 +638,7 @@
           <a:p>
             <a:fld id="{FE398CD6-77FF-42E1-B299-E17665EBA674}" type="datetimeFigureOut">
               <a:rPr lang="en-US" smtClean="0"/>
-              <a:t>2020-06-04</a:t>
+              <a:t>2020-06-17</a:t>
             </a:fld>
             <a:endParaRPr lang="en-US"/>
           </a:p>
@@ -808,7 +808,7 @@
           <a:p>
             <a:fld id="{FE398CD6-77FF-42E1-B299-E17665EBA674}" type="datetimeFigureOut">
               <a:rPr lang="en-US" smtClean="0"/>
-              <a:t>2020-06-04</a:t>
+              <a:t>2020-06-17</a:t>
             </a:fld>
             <a:endParaRPr lang="en-US"/>
           </a:p>
@@ -1054,7 +1054,7 @@
           <a:p>
             <a:fld id="{FE398CD6-77FF-42E1-B299-E17665EBA674}" type="datetimeFigureOut">
               <a:rPr lang="en-US" smtClean="0"/>
-              <a:t>2020-06-04</a:t>
+              <a:t>2020-06-17</a:t>
             </a:fld>
             <a:endParaRPr lang="en-US"/>
           </a:p>
@@ -1342,7 +1342,7 @@
           <a:p>
             <a:fld id="{FE398CD6-77FF-42E1-B299-E17665EBA674}" type="datetimeFigureOut">
               <a:rPr lang="en-US" smtClean="0"/>
-              <a:t>2020-06-04</a:t>
+              <a:t>2020-06-17</a:t>
             </a:fld>
             <a:endParaRPr lang="en-US"/>
           </a:p>
@@ -1764,7 +1764,7 @@
           <a:p>
             <a:fld id="{FE398CD6-77FF-42E1-B299-E17665EBA674}" type="datetimeFigureOut">
               <a:rPr lang="en-US" smtClean="0"/>
-              <a:t>2020-06-04</a:t>
+              <a:t>2020-06-17</a:t>
             </a:fld>
             <a:endParaRPr lang="en-US"/>
           </a:p>
@@ -1882,7 +1882,7 @@
           <a:p>
             <a:fld id="{FE398CD6-77FF-42E1-B299-E17665EBA674}" type="datetimeFigureOut">
               <a:rPr lang="en-US" smtClean="0"/>
-              <a:t>2020-06-04</a:t>
+              <a:t>2020-06-17</a:t>
             </a:fld>
             <a:endParaRPr lang="en-US"/>
           </a:p>
@@ -1977,7 +1977,7 @@
           <a:p>
             <a:fld id="{FE398CD6-77FF-42E1-B299-E17665EBA674}" type="datetimeFigureOut">
               <a:rPr lang="en-US" smtClean="0"/>
-              <a:t>2020-06-04</a:t>
+              <a:t>2020-06-17</a:t>
             </a:fld>
             <a:endParaRPr lang="en-US"/>
           </a:p>
@@ -2254,7 +2254,7 @@
           <a:p>
             <a:fld id="{FE398CD6-77FF-42E1-B299-E17665EBA674}" type="datetimeFigureOut">
               <a:rPr lang="en-US" smtClean="0"/>
-              <a:t>2020-06-04</a:t>
+              <a:t>2020-06-17</a:t>
             </a:fld>
             <a:endParaRPr lang="en-US"/>
           </a:p>
@@ -2507,7 +2507,7 @@
           <a:p>
             <a:fld id="{FE398CD6-77FF-42E1-B299-E17665EBA674}" type="datetimeFigureOut">
               <a:rPr lang="en-US" smtClean="0"/>
-              <a:t>2020-06-04</a:t>
+              <a:t>2020-06-17</a:t>
             </a:fld>
             <a:endParaRPr lang="en-US"/>
           </a:p>
@@ -2720,7 +2720,7 @@
           <a:p>
             <a:fld id="{FE398CD6-77FF-42E1-B299-E17665EBA674}" type="datetimeFigureOut">
               <a:rPr lang="en-US" smtClean="0"/>
-              <a:t>2020-06-04</a:t>
+              <a:t>2020-06-17</a:t>
             </a:fld>
             <a:endParaRPr lang="en-US"/>
           </a:p>
@@ -4691,9 +4691,58 @@
                 <a:latin typeface="Arial" panose="020B0604020202020204" pitchFamily="34" charset="0"/>
                 <a:cs typeface="Arial" panose="020B0604020202020204" pitchFamily="34" charset="0"/>
               </a:rPr>
-              <a:t>developed and provided by the</a:t>
+              <a:t>developed and </a:t>
+            </a:r>
+            <a:r>
+              <a:rPr lang="en-US" sz="1400" i="1" dirty="0" smtClean="0">
+                <a:solidFill>
+                  <a:schemeClr val="tx1"/>
+                </a:solidFill>
+                <a:latin typeface="Arial" panose="020B0604020202020204" pitchFamily="34" charset="0"/>
+                <a:cs typeface="Arial" panose="020B0604020202020204" pitchFamily="34" charset="0"/>
+              </a:rPr>
+              <a:t>provided by the</a:t>
             </a:r>
             <a:br>
+              <a:rPr lang="en-US" sz="1400" i="1" dirty="0" smtClean="0">
+                <a:solidFill>
+                  <a:schemeClr val="tx1"/>
+                </a:solidFill>
+                <a:latin typeface="Arial" panose="020B0604020202020204" pitchFamily="34" charset="0"/>
+                <a:cs typeface="Arial" panose="020B0604020202020204" pitchFamily="34" charset="0"/>
+              </a:rPr>
+            </a:br>
+            <a:r>
+              <a:rPr lang="en-US" i="1" dirty="0" smtClean="0">
+                <a:solidFill>
+                  <a:schemeClr val="tx1"/>
+                </a:solidFill>
+                <a:latin typeface="Arial" panose="020B0604020202020204" pitchFamily="34" charset="0"/>
+                <a:cs typeface="Arial" panose="020B0604020202020204" pitchFamily="34" charset="0"/>
+              </a:rPr>
+              <a:t>respective</a:t>
+            </a:r>
+            <a:r>
+              <a:rPr lang="en-US" sz="1400" i="1" dirty="0" smtClean="0">
+                <a:solidFill>
+                  <a:schemeClr val="tx1"/>
+                </a:solidFill>
+                <a:latin typeface="Arial" panose="020B0604020202020204" pitchFamily="34" charset="0"/>
+                <a:cs typeface="Arial" panose="020B0604020202020204" pitchFamily="34" charset="0"/>
+              </a:rPr>
+              <a:t> vendors and </a:t>
+            </a:r>
+            <a:r>
+              <a:rPr lang="en-US" sz="1400" i="1" dirty="0" smtClean="0">
+                <a:solidFill>
+                  <a:schemeClr val="tx1"/>
+                </a:solidFill>
+                <a:latin typeface="Arial" panose="020B0604020202020204" pitchFamily="34" charset="0"/>
+                <a:cs typeface="Arial" panose="020B0604020202020204" pitchFamily="34" charset="0"/>
+              </a:rPr>
+              <a:t>experts</a:t>
+            </a:r>
+            <a:r>
               <a:rPr lang="en-US" sz="1400" dirty="0" smtClean="0">
                 <a:solidFill>
                   <a:schemeClr val="tx1"/>
@@ -4701,26 +4750,7 @@
                 <a:latin typeface="Arial" panose="020B0604020202020204" pitchFamily="34" charset="0"/>
                 <a:cs typeface="Arial" panose="020B0604020202020204" pitchFamily="34" charset="0"/>
               </a:rPr>
-            </a:br>
-            <a:r>
-              <a:rPr lang="en-US" dirty="0" smtClean="0">
-                <a:solidFill>
-                  <a:schemeClr val="tx1"/>
-                </a:solidFill>
-                <a:latin typeface="Arial" panose="020B0604020202020204" pitchFamily="34" charset="0"/>
-                <a:cs typeface="Arial" panose="020B0604020202020204" pitchFamily="34" charset="0"/>
-              </a:rPr>
-              <a:t>respective</a:t>
-            </a:r>
-            <a:r>
-              <a:rPr lang="en-US" sz="1400" dirty="0" smtClean="0">
-                <a:solidFill>
-                  <a:schemeClr val="tx1"/>
-                </a:solidFill>
-                <a:latin typeface="Arial" panose="020B0604020202020204" pitchFamily="34" charset="0"/>
-                <a:cs typeface="Arial" panose="020B0604020202020204" pitchFamily="34" charset="0"/>
-              </a:rPr>
-              <a:t> vendors and experts</a:t>
+              <a:t>.</a:t>
             </a:r>
             <a:endParaRPr lang="en-US" sz="1400" dirty="0">
               <a:solidFill>
@@ -4740,7 +4770,7 @@
         </p:nvSpPr>
         <p:spPr>
           <a:xfrm>
-            <a:off x="4410869" y="4647816"/>
+            <a:off x="4442539" y="4647816"/>
             <a:ext cx="1648207" cy="307777"/>
           </a:xfrm>
           <a:prstGeom prst="rect">
@@ -4937,8 +4967,8 @@
         </p:nvSpPr>
         <p:spPr>
           <a:xfrm>
-            <a:off x="6211069" y="2521793"/>
-            <a:ext cx="2353529" cy="1384995"/>
+            <a:off x="6211069" y="2447171"/>
+            <a:ext cx="2393604" cy="2323713"/>
           </a:xfrm>
           <a:prstGeom prst="rect">
             <a:avLst/>
@@ -4970,6 +5000,11 @@
           </a:bodyPr>
           <a:lstStyle/>
           <a:p>
+            <a:pPr>
+              <a:spcAft>
+                <a:spcPts val="600"/>
+              </a:spcAft>
+            </a:pPr>
             <a:r>
               <a:rPr lang="en-US" sz="1400" dirty="0" smtClean="0">
                 <a:solidFill>
@@ -5066,6 +5101,26 @@
               </a:rPr>
             </a:br>
             <a:r>
+              <a:rPr lang="en-US" sz="1400" i="1" dirty="0" smtClean="0">
+                <a:solidFill>
+                  <a:schemeClr val="tx1"/>
+                </a:solidFill>
+                <a:latin typeface="Arial" panose="020B0604020202020204" pitchFamily="34" charset="0"/>
+                <a:cs typeface="Arial" panose="020B0604020202020204" pitchFamily="34" charset="0"/>
+              </a:rPr>
+              <a:t>credential </a:t>
+            </a:r>
+            <a:r>
+              <a:rPr lang="en-US" sz="1400" i="1" dirty="0" smtClean="0">
+                <a:solidFill>
+                  <a:schemeClr val="tx1"/>
+                </a:solidFill>
+                <a:latin typeface="Arial" panose="020B0604020202020204" pitchFamily="34" charset="0"/>
+                <a:cs typeface="Arial" panose="020B0604020202020204" pitchFamily="34" charset="0"/>
+              </a:rPr>
+              <a:t>databases</a:t>
+            </a:r>
+            <a:r>
               <a:rPr lang="en-US" sz="1400" dirty="0" smtClean="0">
                 <a:solidFill>
                   <a:schemeClr val="tx1"/>
@@ -5073,7 +5128,136 @@
                 <a:latin typeface="Arial" panose="020B0604020202020204" pitchFamily="34" charset="0"/>
                 <a:cs typeface="Arial" panose="020B0604020202020204" pitchFamily="34" charset="0"/>
               </a:rPr>
-              <a:t>credential databases</a:t>
+              <a:t>.</a:t>
+            </a:r>
+          </a:p>
+          <a:p>
+            <a:r>
+              <a:rPr lang="en-US" dirty="0">
+                <a:solidFill>
+                  <a:schemeClr val="tx1"/>
+                </a:solidFill>
+                <a:latin typeface="Arial" panose="020B0604020202020204" pitchFamily="34" charset="0"/>
+                <a:cs typeface="Arial" panose="020B0604020202020204" pitchFamily="34" charset="0"/>
+              </a:rPr>
+              <a:t>S</a:t>
+            </a:r>
+            <a:r>
+              <a:rPr lang="en-US" dirty="0" smtClean="0">
+                <a:solidFill>
+                  <a:schemeClr val="tx1"/>
+                </a:solidFill>
+                <a:latin typeface="Arial" panose="020B0604020202020204" pitchFamily="34" charset="0"/>
+                <a:cs typeface="Arial" panose="020B0604020202020204" pitchFamily="34" charset="0"/>
+              </a:rPr>
+              <a:t>uch</a:t>
+            </a:r>
+            <a:r>
+              <a:rPr lang="en-US" sz="1400" dirty="0" smtClean="0">
+                <a:solidFill>
+                  <a:schemeClr val="tx1"/>
+                </a:solidFill>
+                <a:latin typeface="Arial" panose="020B0604020202020204" pitchFamily="34" charset="0"/>
+                <a:cs typeface="Arial" panose="020B0604020202020204" pitchFamily="34" charset="0"/>
+              </a:rPr>
+              <a:t> </a:t>
+            </a:r>
+            <a:r>
+              <a:rPr lang="en-US" dirty="0" smtClean="0">
+                <a:solidFill>
+                  <a:schemeClr val="tx1"/>
+                </a:solidFill>
+                <a:latin typeface="Arial" panose="020B0604020202020204" pitchFamily="34" charset="0"/>
+                <a:cs typeface="Arial" panose="020B0604020202020204" pitchFamily="34" charset="0"/>
+              </a:rPr>
+              <a:t>systems typically also</a:t>
+            </a:r>
+            <a:br>
+              <a:rPr lang="en-US" dirty="0" smtClean="0">
+                <a:solidFill>
+                  <a:schemeClr val="tx1"/>
+                </a:solidFill>
+                <a:latin typeface="Arial" panose="020B0604020202020204" pitchFamily="34" charset="0"/>
+                <a:cs typeface="Arial" panose="020B0604020202020204" pitchFamily="34" charset="0"/>
+              </a:rPr>
+            </a:br>
+            <a:r>
+              <a:rPr lang="en-US" dirty="0" smtClean="0">
+                <a:solidFill>
+                  <a:schemeClr val="tx1"/>
+                </a:solidFill>
+                <a:latin typeface="Arial" panose="020B0604020202020204" pitchFamily="34" charset="0"/>
+                <a:cs typeface="Arial" panose="020B0604020202020204" pitchFamily="34" charset="0"/>
+              </a:rPr>
+              <a:t>expose </a:t>
+            </a:r>
+            <a:r>
+              <a:rPr lang="en-US" i="1" dirty="0" smtClean="0">
+                <a:solidFill>
+                  <a:schemeClr val="tx1"/>
+                </a:solidFill>
+                <a:latin typeface="Arial" panose="020B0604020202020204" pitchFamily="34" charset="0"/>
+                <a:cs typeface="Arial" panose="020B0604020202020204" pitchFamily="34" charset="0"/>
+              </a:rPr>
+              <a:t>utility i</a:t>
+            </a:r>
+            <a:r>
+              <a:rPr lang="en-US" sz="1400" i="1" dirty="0" smtClean="0">
+                <a:solidFill>
+                  <a:schemeClr val="tx1"/>
+                </a:solidFill>
+                <a:latin typeface="Arial" panose="020B0604020202020204" pitchFamily="34" charset="0"/>
+                <a:cs typeface="Arial" panose="020B0604020202020204" pitchFamily="34" charset="0"/>
+              </a:rPr>
+              <a:t>nterfaces</a:t>
+            </a:r>
+            <a:r>
+              <a:rPr lang="en-US" sz="1400" dirty="0" smtClean="0">
+                <a:solidFill>
+                  <a:schemeClr val="tx1"/>
+                </a:solidFill>
+                <a:latin typeface="Arial" panose="020B0604020202020204" pitchFamily="34" charset="0"/>
+                <a:cs typeface="Arial" panose="020B0604020202020204" pitchFamily="34" charset="0"/>
+              </a:rPr>
+              <a:t/>
+            </a:r>
+            <a:br>
+              <a:rPr lang="en-US" sz="1400" dirty="0" smtClean="0">
+                <a:solidFill>
+                  <a:schemeClr val="tx1"/>
+                </a:solidFill>
+                <a:latin typeface="Arial" panose="020B0604020202020204" pitchFamily="34" charset="0"/>
+                <a:cs typeface="Arial" panose="020B0604020202020204" pitchFamily="34" charset="0"/>
+              </a:rPr>
+            </a:br>
+            <a:r>
+              <a:rPr lang="en-US" sz="1400" dirty="0" smtClean="0">
+                <a:solidFill>
+                  <a:schemeClr val="tx1"/>
+                </a:solidFill>
+                <a:latin typeface="Arial" panose="020B0604020202020204" pitchFamily="34" charset="0"/>
+                <a:cs typeface="Arial" panose="020B0604020202020204" pitchFamily="34" charset="0"/>
+              </a:rPr>
+              <a:t>like administration support</a:t>
+            </a:r>
+            <a:br>
+              <a:rPr lang="en-US" sz="1400" dirty="0" smtClean="0">
+                <a:solidFill>
+                  <a:schemeClr val="tx1"/>
+                </a:solidFill>
+                <a:latin typeface="Arial" panose="020B0604020202020204" pitchFamily="34" charset="0"/>
+                <a:cs typeface="Arial" panose="020B0604020202020204" pitchFamily="34" charset="0"/>
+              </a:rPr>
+            </a:br>
+            <a:r>
+              <a:rPr lang="en-US" sz="1400" dirty="0" smtClean="0">
+                <a:solidFill>
+                  <a:schemeClr val="tx1"/>
+                </a:solidFill>
+                <a:latin typeface="Arial" panose="020B0604020202020204" pitchFamily="34" charset="0"/>
+                <a:cs typeface="Arial" panose="020B0604020202020204" pitchFamily="34" charset="0"/>
+              </a:rPr>
+              <a:t>for credentials.</a:t>
             </a:r>
             <a:endParaRPr lang="en-US" sz="1400" dirty="0">
               <a:solidFill>
